--- a/TaskManager.pptx
+++ b/TaskManager.pptx
@@ -201,7 +201,7 @@
           <a:p>
             <a:fld id="{5B18FD54-8121-4C13-90B0-BCE82A9DA34D}" type="datetimeFigureOut">
               <a:rPr lang="ru-RU" smtClean="0"/>
-              <a:t>13.03.2023</a:t>
+              <a:t>14.03.2023</a:t>
             </a:fld>
             <a:endParaRPr lang="ru-RU"/>
           </a:p>
@@ -719,7 +719,7 @@
           <a:p>
             <a:fld id="{6C16EF14-5FDB-42D1-9BE3-F3893004907F}" type="datetimeFigureOut">
               <a:rPr lang="ru-RU" smtClean="0"/>
-              <a:t>13.03.2023</a:t>
+              <a:t>14.03.2023</a:t>
             </a:fld>
             <a:endParaRPr lang="ru-RU"/>
           </a:p>
@@ -917,7 +917,7 @@
           <a:p>
             <a:fld id="{6C16EF14-5FDB-42D1-9BE3-F3893004907F}" type="datetimeFigureOut">
               <a:rPr lang="ru-RU" smtClean="0"/>
-              <a:t>13.03.2023</a:t>
+              <a:t>14.03.2023</a:t>
             </a:fld>
             <a:endParaRPr lang="ru-RU"/>
           </a:p>
@@ -1125,7 +1125,7 @@
           <a:p>
             <a:fld id="{6C16EF14-5FDB-42D1-9BE3-F3893004907F}" type="datetimeFigureOut">
               <a:rPr lang="ru-RU" smtClean="0"/>
-              <a:t>13.03.2023</a:t>
+              <a:t>14.03.2023</a:t>
             </a:fld>
             <a:endParaRPr lang="ru-RU"/>
           </a:p>
@@ -2277,7 +2277,7 @@
           <a:p>
             <a:fld id="{6C16EF14-5FDB-42D1-9BE3-F3893004907F}" type="datetimeFigureOut">
               <a:rPr lang="ru-RU" smtClean="0"/>
-              <a:t>13.03.2023</a:t>
+              <a:t>14.03.2023</a:t>
             </a:fld>
             <a:endParaRPr lang="ru-RU"/>
           </a:p>
@@ -3851,7 +3851,7 @@
           <a:p>
             <a:fld id="{6C16EF14-5FDB-42D1-9BE3-F3893004907F}" type="datetimeFigureOut">
               <a:rPr lang="ru-RU" smtClean="0"/>
-              <a:t>13.03.2023</a:t>
+              <a:t>14.03.2023</a:t>
             </a:fld>
             <a:endParaRPr lang="ru-RU"/>
           </a:p>
@@ -4116,7 +4116,7 @@
           <a:p>
             <a:fld id="{6C16EF14-5FDB-42D1-9BE3-F3893004907F}" type="datetimeFigureOut">
               <a:rPr lang="ru-RU" smtClean="0"/>
-              <a:t>13.03.2023</a:t>
+              <a:t>14.03.2023</a:t>
             </a:fld>
             <a:endParaRPr lang="ru-RU"/>
           </a:p>
@@ -4528,7 +4528,7 @@
           <a:p>
             <a:fld id="{6C16EF14-5FDB-42D1-9BE3-F3893004907F}" type="datetimeFigureOut">
               <a:rPr lang="ru-RU" smtClean="0"/>
-              <a:t>13.03.2023</a:t>
+              <a:t>14.03.2023</a:t>
             </a:fld>
             <a:endParaRPr lang="ru-RU"/>
           </a:p>
@@ -4669,7 +4669,7 @@
           <a:p>
             <a:fld id="{6C16EF14-5FDB-42D1-9BE3-F3893004907F}" type="datetimeFigureOut">
               <a:rPr lang="ru-RU" smtClean="0"/>
-              <a:t>13.03.2023</a:t>
+              <a:t>14.03.2023</a:t>
             </a:fld>
             <a:endParaRPr lang="ru-RU"/>
           </a:p>
@@ -4782,7 +4782,7 @@
           <a:p>
             <a:fld id="{6C16EF14-5FDB-42D1-9BE3-F3893004907F}" type="datetimeFigureOut">
               <a:rPr lang="ru-RU" smtClean="0"/>
-              <a:t>13.03.2023</a:t>
+              <a:t>14.03.2023</a:t>
             </a:fld>
             <a:endParaRPr lang="ru-RU"/>
           </a:p>
@@ -5093,7 +5093,7 @@
           <a:p>
             <a:fld id="{6C16EF14-5FDB-42D1-9BE3-F3893004907F}" type="datetimeFigureOut">
               <a:rPr lang="ru-RU" smtClean="0"/>
-              <a:t>13.03.2023</a:t>
+              <a:t>14.03.2023</a:t>
             </a:fld>
             <a:endParaRPr lang="ru-RU"/>
           </a:p>
@@ -5381,7 +5381,7 @@
           <a:p>
             <a:fld id="{6C16EF14-5FDB-42D1-9BE3-F3893004907F}" type="datetimeFigureOut">
               <a:rPr lang="ru-RU" smtClean="0"/>
-              <a:t>13.03.2023</a:t>
+              <a:t>14.03.2023</a:t>
             </a:fld>
             <a:endParaRPr lang="ru-RU"/>
           </a:p>
@@ -5625,7 +5625,7 @@
           <a:p>
             <a:fld id="{6C16EF14-5FDB-42D1-9BE3-F3893004907F}" type="datetimeFigureOut">
               <a:rPr lang="ru-RU" smtClean="0"/>
-              <a:t>13.03.2023</a:t>
+              <a:t>14.03.2023</a:t>
             </a:fld>
             <a:endParaRPr lang="ru-RU"/>
           </a:p>
@@ -9639,7 +9639,7 @@
             </a:pPr>
             <a:r>
               <a:rPr lang="ru-RU" dirty="0"/>
-              <a:t>Применить, полученные в процессе обучения, знания при написании итоговой работы. Используются:</a:t>
+              <a:t>Применить, полученные в процессе обучения, знания для написания итоговой работы. Использовать:</a:t>
             </a:r>
           </a:p>
           <a:p>
